--- a/1_planning/way_of_working/WayOfWorking.pptx
+++ b/1_planning/way_of_working/WayOfWorking.pptx
@@ -6,7 +6,13 @@
   </p:sldMasterIdLst>
   <p:sldIdLst>
     <p:sldId id="256" r:id="rId2"/>
-    <p:sldId id="258" r:id="rId3"/>
+    <p:sldId id="265" r:id="rId3"/>
+    <p:sldId id="258" r:id="rId4"/>
+    <p:sldId id="266" r:id="rId5"/>
+    <p:sldId id="260" r:id="rId6"/>
+    <p:sldId id="263" r:id="rId7"/>
+    <p:sldId id="262" r:id="rId8"/>
+    <p:sldId id="264" r:id="rId9"/>
   </p:sldIdLst>
   <p:sldSz cx="9144000" cy="6858000" type="screen4x3"/>
   <p:notesSz cx="6858000" cy="9144000"/>
@@ -290,9 +296,9 @@
             <a:fld id="{1D8BD707-D9CF-40AE-B4C6-C98DA3205C09}" type="datetimeFigureOut">
               <a:rPr lang="en-US" smtClean="0"/>
               <a:pPr/>
-              <a:t>1/12/2017</a:t>
+              <a:t>1/28/2017</a:t>
             </a:fld>
-            <a:endParaRPr lang="en-US"/>
+            <a:endParaRPr lang="en-US" dirty="0"/>
           </a:p>
         </p:txBody>
       </p:sp>
@@ -311,7 +317,7 @@
           <a:bodyPr/>
           <a:lstStyle/>
           <a:p>
-            <a:endParaRPr lang="en-US"/>
+            <a:endParaRPr lang="en-US" dirty="0"/>
           </a:p>
         </p:txBody>
       </p:sp>
@@ -335,7 +341,7 @@
               <a:pPr/>
               <a:t>‹#›</a:t>
             </a:fld>
-            <a:endParaRPr lang="en-US"/>
+            <a:endParaRPr lang="en-US" dirty="0"/>
           </a:p>
         </p:txBody>
       </p:sp>
@@ -457,9 +463,9 @@
             <a:fld id="{1D8BD707-D9CF-40AE-B4C6-C98DA3205C09}" type="datetimeFigureOut">
               <a:rPr lang="en-US" smtClean="0"/>
               <a:pPr/>
-              <a:t>1/12/2017</a:t>
+              <a:t>1/28/2017</a:t>
             </a:fld>
-            <a:endParaRPr lang="en-US"/>
+            <a:endParaRPr lang="en-US" dirty="0"/>
           </a:p>
         </p:txBody>
       </p:sp>
@@ -478,7 +484,7 @@
           <a:bodyPr/>
           <a:lstStyle/>
           <a:p>
-            <a:endParaRPr lang="en-US"/>
+            <a:endParaRPr lang="en-US" dirty="0"/>
           </a:p>
         </p:txBody>
       </p:sp>
@@ -502,7 +508,7 @@
               <a:pPr/>
               <a:t>‹#›</a:t>
             </a:fld>
-            <a:endParaRPr lang="en-US"/>
+            <a:endParaRPr lang="en-US" dirty="0"/>
           </a:p>
         </p:txBody>
       </p:sp>
@@ -634,9 +640,9 @@
             <a:fld id="{1D8BD707-D9CF-40AE-B4C6-C98DA3205C09}" type="datetimeFigureOut">
               <a:rPr lang="en-US" smtClean="0"/>
               <a:pPr/>
-              <a:t>1/12/2017</a:t>
+              <a:t>1/28/2017</a:t>
             </a:fld>
-            <a:endParaRPr lang="en-US"/>
+            <a:endParaRPr lang="en-US" dirty="0"/>
           </a:p>
         </p:txBody>
       </p:sp>
@@ -655,7 +661,7 @@
           <a:bodyPr/>
           <a:lstStyle/>
           <a:p>
-            <a:endParaRPr lang="en-US"/>
+            <a:endParaRPr lang="en-US" dirty="0"/>
           </a:p>
         </p:txBody>
       </p:sp>
@@ -679,7 +685,7 @@
               <a:pPr/>
               <a:t>‹#›</a:t>
             </a:fld>
-            <a:endParaRPr lang="en-US"/>
+            <a:endParaRPr lang="en-US" dirty="0"/>
           </a:p>
         </p:txBody>
       </p:sp>
@@ -801,9 +807,9 @@
             <a:fld id="{1D8BD707-D9CF-40AE-B4C6-C98DA3205C09}" type="datetimeFigureOut">
               <a:rPr lang="en-US" smtClean="0"/>
               <a:pPr/>
-              <a:t>1/12/2017</a:t>
+              <a:t>1/28/2017</a:t>
             </a:fld>
-            <a:endParaRPr lang="en-US"/>
+            <a:endParaRPr lang="en-US" dirty="0"/>
           </a:p>
         </p:txBody>
       </p:sp>
@@ -822,7 +828,7 @@
           <a:bodyPr/>
           <a:lstStyle/>
           <a:p>
-            <a:endParaRPr lang="en-US"/>
+            <a:endParaRPr lang="en-US" dirty="0"/>
           </a:p>
         </p:txBody>
       </p:sp>
@@ -846,7 +852,7 @@
               <a:pPr/>
               <a:t>‹#›</a:t>
             </a:fld>
-            <a:endParaRPr lang="en-US"/>
+            <a:endParaRPr lang="en-US" dirty="0"/>
           </a:p>
         </p:txBody>
       </p:sp>
@@ -1044,9 +1050,9 @@
             <a:fld id="{1D8BD707-D9CF-40AE-B4C6-C98DA3205C09}" type="datetimeFigureOut">
               <a:rPr lang="en-US" smtClean="0"/>
               <a:pPr/>
-              <a:t>1/12/2017</a:t>
+              <a:t>1/28/2017</a:t>
             </a:fld>
-            <a:endParaRPr lang="en-US"/>
+            <a:endParaRPr lang="en-US" dirty="0"/>
           </a:p>
         </p:txBody>
       </p:sp>
@@ -1065,7 +1071,7 @@
           <a:bodyPr/>
           <a:lstStyle/>
           <a:p>
-            <a:endParaRPr lang="en-US"/>
+            <a:endParaRPr lang="en-US" dirty="0"/>
           </a:p>
         </p:txBody>
       </p:sp>
@@ -1089,7 +1095,7 @@
               <a:pPr/>
               <a:t>‹#›</a:t>
             </a:fld>
-            <a:endParaRPr lang="en-US"/>
+            <a:endParaRPr lang="en-US" dirty="0"/>
           </a:p>
         </p:txBody>
       </p:sp>
@@ -1329,9 +1335,9 @@
             <a:fld id="{1D8BD707-D9CF-40AE-B4C6-C98DA3205C09}" type="datetimeFigureOut">
               <a:rPr lang="en-US" smtClean="0"/>
               <a:pPr/>
-              <a:t>1/12/2017</a:t>
+              <a:t>1/28/2017</a:t>
             </a:fld>
-            <a:endParaRPr lang="en-US"/>
+            <a:endParaRPr lang="en-US" dirty="0"/>
           </a:p>
         </p:txBody>
       </p:sp>
@@ -1350,7 +1356,7 @@
           <a:bodyPr/>
           <a:lstStyle/>
           <a:p>
-            <a:endParaRPr lang="en-US"/>
+            <a:endParaRPr lang="en-US" dirty="0"/>
           </a:p>
         </p:txBody>
       </p:sp>
@@ -1374,7 +1380,7 @@
               <a:pPr/>
               <a:t>‹#›</a:t>
             </a:fld>
-            <a:endParaRPr lang="en-US"/>
+            <a:endParaRPr lang="en-US" dirty="0"/>
           </a:p>
         </p:txBody>
       </p:sp>
@@ -1748,9 +1754,9 @@
             <a:fld id="{1D8BD707-D9CF-40AE-B4C6-C98DA3205C09}" type="datetimeFigureOut">
               <a:rPr lang="en-US" smtClean="0"/>
               <a:pPr/>
-              <a:t>1/12/2017</a:t>
+              <a:t>1/28/2017</a:t>
             </a:fld>
-            <a:endParaRPr lang="en-US"/>
+            <a:endParaRPr lang="en-US" dirty="0"/>
           </a:p>
         </p:txBody>
       </p:sp>
@@ -1769,7 +1775,7 @@
           <a:bodyPr/>
           <a:lstStyle/>
           <a:p>
-            <a:endParaRPr lang="en-US"/>
+            <a:endParaRPr lang="en-US" dirty="0"/>
           </a:p>
         </p:txBody>
       </p:sp>
@@ -1793,7 +1799,7 @@
               <a:pPr/>
               <a:t>‹#›</a:t>
             </a:fld>
-            <a:endParaRPr lang="en-US"/>
+            <a:endParaRPr lang="en-US" dirty="0"/>
           </a:p>
         </p:txBody>
       </p:sp>
@@ -1863,9 +1869,9 @@
             <a:fld id="{1D8BD707-D9CF-40AE-B4C6-C98DA3205C09}" type="datetimeFigureOut">
               <a:rPr lang="en-US" smtClean="0"/>
               <a:pPr/>
-              <a:t>1/12/2017</a:t>
+              <a:t>1/28/2017</a:t>
             </a:fld>
-            <a:endParaRPr lang="en-US"/>
+            <a:endParaRPr lang="en-US" dirty="0"/>
           </a:p>
         </p:txBody>
       </p:sp>
@@ -1884,7 +1890,7 @@
           <a:bodyPr/>
           <a:lstStyle/>
           <a:p>
-            <a:endParaRPr lang="en-US"/>
+            <a:endParaRPr lang="en-US" dirty="0"/>
           </a:p>
         </p:txBody>
       </p:sp>
@@ -1908,7 +1914,7 @@
               <a:pPr/>
               <a:t>‹#›</a:t>
             </a:fld>
-            <a:endParaRPr lang="en-US"/>
+            <a:endParaRPr lang="en-US" dirty="0"/>
           </a:p>
         </p:txBody>
       </p:sp>
@@ -1955,9 +1961,9 @@
             <a:fld id="{1D8BD707-D9CF-40AE-B4C6-C98DA3205C09}" type="datetimeFigureOut">
               <a:rPr lang="en-US" smtClean="0"/>
               <a:pPr/>
-              <a:t>1/12/2017</a:t>
+              <a:t>1/28/2017</a:t>
             </a:fld>
-            <a:endParaRPr lang="en-US"/>
+            <a:endParaRPr lang="en-US" dirty="0"/>
           </a:p>
         </p:txBody>
       </p:sp>
@@ -1976,7 +1982,7 @@
           <a:bodyPr/>
           <a:lstStyle/>
           <a:p>
-            <a:endParaRPr lang="en-US"/>
+            <a:endParaRPr lang="en-US" dirty="0"/>
           </a:p>
         </p:txBody>
       </p:sp>
@@ -2000,7 +2006,7 @@
               <a:pPr/>
               <a:t>‹#›</a:t>
             </a:fld>
-            <a:endParaRPr lang="en-US"/>
+            <a:endParaRPr lang="en-US" dirty="0"/>
           </a:p>
         </p:txBody>
       </p:sp>
@@ -2229,9 +2235,9 @@
             <a:fld id="{1D8BD707-D9CF-40AE-B4C6-C98DA3205C09}" type="datetimeFigureOut">
               <a:rPr lang="en-US" smtClean="0"/>
               <a:pPr/>
-              <a:t>1/12/2017</a:t>
+              <a:t>1/28/2017</a:t>
             </a:fld>
-            <a:endParaRPr lang="en-US"/>
+            <a:endParaRPr lang="en-US" dirty="0"/>
           </a:p>
         </p:txBody>
       </p:sp>
@@ -2250,7 +2256,7 @@
           <a:bodyPr/>
           <a:lstStyle/>
           <a:p>
-            <a:endParaRPr lang="en-US"/>
+            <a:endParaRPr lang="en-US" dirty="0"/>
           </a:p>
         </p:txBody>
       </p:sp>
@@ -2274,7 +2280,7 @@
               <a:pPr/>
               <a:t>‹#›</a:t>
             </a:fld>
-            <a:endParaRPr lang="en-US"/>
+            <a:endParaRPr lang="en-US" dirty="0"/>
           </a:p>
         </p:txBody>
       </p:sp>
@@ -2392,7 +2398,7 @@
             </a:lvl9pPr>
           </a:lstStyle>
           <a:p>
-            <a:endParaRPr lang="en-US"/>
+            <a:endParaRPr lang="en-US" dirty="0"/>
           </a:p>
         </p:txBody>
       </p:sp>
@@ -2479,9 +2485,9 @@
             <a:fld id="{1D8BD707-D9CF-40AE-B4C6-C98DA3205C09}" type="datetimeFigureOut">
               <a:rPr lang="en-US" smtClean="0"/>
               <a:pPr/>
-              <a:t>1/12/2017</a:t>
+              <a:t>1/28/2017</a:t>
             </a:fld>
-            <a:endParaRPr lang="en-US"/>
+            <a:endParaRPr lang="en-US" dirty="0"/>
           </a:p>
         </p:txBody>
       </p:sp>
@@ -2500,7 +2506,7 @@
           <a:bodyPr/>
           <a:lstStyle/>
           <a:p>
-            <a:endParaRPr lang="en-US"/>
+            <a:endParaRPr lang="en-US" dirty="0"/>
           </a:p>
         </p:txBody>
       </p:sp>
@@ -2524,7 +2530,7 @@
               <a:pPr/>
               <a:t>‹#›</a:t>
             </a:fld>
-            <a:endParaRPr lang="en-US"/>
+            <a:endParaRPr lang="en-US" dirty="0"/>
           </a:p>
         </p:txBody>
       </p:sp>
@@ -2689,9 +2695,9 @@
             <a:fld id="{1D8BD707-D9CF-40AE-B4C6-C98DA3205C09}" type="datetimeFigureOut">
               <a:rPr lang="en-US" smtClean="0"/>
               <a:pPr/>
-              <a:t>1/12/2017</a:t>
+              <a:t>1/28/2017</a:t>
             </a:fld>
-            <a:endParaRPr lang="en-US"/>
+            <a:endParaRPr lang="en-US" dirty="0"/>
           </a:p>
         </p:txBody>
       </p:sp>
@@ -2728,7 +2734,7 @@
             </a:lvl1pPr>
           </a:lstStyle>
           <a:p>
-            <a:endParaRPr lang="en-US"/>
+            <a:endParaRPr lang="en-US" dirty="0"/>
           </a:p>
         </p:txBody>
       </p:sp>
@@ -2770,7 +2776,7 @@
               <a:pPr/>
               <a:t>‹#›</a:t>
             </a:fld>
-            <a:endParaRPr lang="en-US"/>
+            <a:endParaRPr lang="en-US" dirty="0"/>
           </a:p>
         </p:txBody>
       </p:sp>
@@ -3139,9 +3145,136 @@
           <a:chExt cx="0" cy="0"/>
         </a:xfrm>
       </p:grpSpPr>
+      <p:sp>
+        <p:nvSpPr>
+          <p:cNvPr id="2" name="Title 1"/>
+          <p:cNvSpPr>
+            <a:spLocks noGrp="1"/>
+          </p:cNvSpPr>
+          <p:nvPr>
+            <p:ph type="title"/>
+          </p:nvPr>
+        </p:nvSpPr>
+        <p:spPr/>
+        <p:txBody>
+          <a:bodyPr/>
+          <a:lstStyle/>
+          <a:p>
+            <a:r>
+              <a:rPr lang="sv-SE" dirty="0" smtClean="0"/>
+              <a:t>WOW – Test Mgmt</a:t>
+            </a:r>
+            <a:endParaRPr lang="sv-SE" dirty="0"/>
+          </a:p>
+        </p:txBody>
+      </p:sp>
+      <p:sp>
+        <p:nvSpPr>
+          <p:cNvPr id="3" name="Content Placeholder 2"/>
+          <p:cNvSpPr>
+            <a:spLocks noGrp="1"/>
+          </p:cNvSpPr>
+          <p:nvPr>
+            <p:ph idx="1"/>
+          </p:nvPr>
+        </p:nvSpPr>
+        <p:spPr/>
+        <p:txBody>
+          <a:bodyPr/>
+          <a:lstStyle/>
+          <a:p>
+            <a:r>
+              <a:rPr lang="en-US" dirty="0" smtClean="0"/>
+              <a:t>Intention: reuse Gloria's </a:t>
+            </a:r>
+            <a:r>
+              <a:rPr lang="en-US" dirty="0"/>
+              <a:t>best </a:t>
+            </a:r>
+            <a:r>
+              <a:rPr lang="en-US" dirty="0" smtClean="0"/>
+              <a:t>practice</a:t>
+            </a:r>
+          </a:p>
+          <a:p>
+            <a:r>
+              <a:rPr lang="sv-SE" dirty="0" smtClean="0"/>
+              <a:t>Process &amp; Artifacts</a:t>
+            </a:r>
+          </a:p>
+          <a:p>
+            <a:pPr lvl="1"/>
+            <a:r>
+              <a:rPr lang="sv-SE" dirty="0" smtClean="0"/>
+              <a:t>Business Requirement</a:t>
+            </a:r>
+          </a:p>
+          <a:p>
+            <a:pPr lvl="1"/>
+            <a:r>
+              <a:rPr lang="sv-SE" dirty="0" smtClean="0"/>
+              <a:t>Analysis</a:t>
+            </a:r>
+          </a:p>
+          <a:p>
+            <a:pPr lvl="1"/>
+            <a:r>
+              <a:rPr lang="sv-SE" dirty="0" smtClean="0"/>
+              <a:t>Design</a:t>
+            </a:r>
+          </a:p>
+          <a:p>
+            <a:pPr lvl="1"/>
+            <a:r>
+              <a:rPr lang="sv-SE" dirty="0" smtClean="0"/>
+              <a:t>Implementation</a:t>
+            </a:r>
+          </a:p>
+          <a:p>
+            <a:pPr lvl="1"/>
+            <a:r>
+              <a:rPr lang="sv-SE" dirty="0" smtClean="0"/>
+              <a:t>Test</a:t>
+            </a:r>
+          </a:p>
+          <a:p>
+            <a:endParaRPr lang="sv-SE" dirty="0"/>
+          </a:p>
+        </p:txBody>
+      </p:sp>
+    </p:spTree>
+    <p:extLst>
+      <p:ext uri="{BB962C8B-B14F-4D97-AF65-F5344CB8AC3E}">
+        <p14:creationId xmlns:p14="http://schemas.microsoft.com/office/powerpoint/2010/main" val="2132034272"/>
+      </p:ext>
+    </p:extLst>
+  </p:cSld>
+  <p:clrMapOvr>
+    <a:masterClrMapping/>
+  </p:clrMapOvr>
+</p:sld>
+</file>
+
+<file path=ppt/slides/slide3.xml><?xml version="1.0" encoding="utf-8"?>
+<p:sld xmlns:a="http://schemas.openxmlformats.org/drawingml/2006/main" xmlns:r="http://schemas.openxmlformats.org/officeDocument/2006/relationships" xmlns:p="http://schemas.openxmlformats.org/presentationml/2006/main">
+  <p:cSld>
+    <p:spTree>
+      <p:nvGrpSpPr>
+        <p:cNvPr id="1" name=""/>
+        <p:cNvGrpSpPr/>
+        <p:nvPr/>
+      </p:nvGrpSpPr>
+      <p:grpSpPr>
+        <a:xfrm>
+          <a:off x="0" y="0"/>
+          <a:ext cx="0" cy="0"/>
+          <a:chOff x="0" y="0"/>
+          <a:chExt cx="0" cy="0"/>
+        </a:xfrm>
+      </p:grpSpPr>
       <p:pic>
         <p:nvPicPr>
-          <p:cNvPr id="2050" name="Picture 2"/>
+          <p:cNvPr id="1026" name="Picture 2"/>
           <p:cNvPicPr>
             <a:picLocks noChangeAspect="1" noChangeArrowheads="1"/>
           </p:cNvPicPr>
@@ -3162,8 +3295,8 @@
         </p:blipFill>
         <p:spPr bwMode="auto">
           <a:xfrm>
-            <a:off x="604839" y="76200"/>
-            <a:ext cx="6938962" cy="6480807"/>
+            <a:off x="1066800" y="189643"/>
+            <a:ext cx="7086600" cy="6619259"/>
           </a:xfrm>
           <a:prstGeom prst="rect">
             <a:avLst/>
@@ -3197,6 +3330,495 @@
     <p:extLst>
       <p:ext uri="{BB962C8B-B14F-4D97-AF65-F5344CB8AC3E}">
         <p14:creationId xmlns:p14="http://schemas.microsoft.com/office/powerpoint/2010/main" val="2964439849"/>
+      </p:ext>
+    </p:extLst>
+  </p:cSld>
+  <p:clrMapOvr>
+    <a:masterClrMapping/>
+  </p:clrMapOvr>
+</p:sld>
+</file>
+
+<file path=ppt/slides/slide4.xml><?xml version="1.0" encoding="utf-8"?>
+<p:sld xmlns:a="http://schemas.openxmlformats.org/drawingml/2006/main" xmlns:r="http://schemas.openxmlformats.org/officeDocument/2006/relationships" xmlns:p="http://schemas.openxmlformats.org/presentationml/2006/main">
+  <p:cSld>
+    <p:spTree>
+      <p:nvGrpSpPr>
+        <p:cNvPr id="1" name=""/>
+        <p:cNvGrpSpPr/>
+        <p:nvPr/>
+      </p:nvGrpSpPr>
+      <p:grpSpPr>
+        <a:xfrm>
+          <a:off x="0" y="0"/>
+          <a:ext cx="0" cy="0"/>
+          <a:chOff x="0" y="0"/>
+          <a:chExt cx="0" cy="0"/>
+        </a:xfrm>
+      </p:grpSpPr>
+      <p:pic>
+        <p:nvPicPr>
+          <p:cNvPr id="3074" name="Picture 2"/>
+          <p:cNvPicPr>
+            <a:picLocks noChangeAspect="1" noChangeArrowheads="1"/>
+          </p:cNvPicPr>
+          <p:nvPr/>
+        </p:nvPicPr>
+        <p:blipFill>
+          <a:blip r:embed="rId2">
+            <a:extLst>
+              <a:ext uri="{28A0092B-C50C-407E-A947-70E740481C1C}">
+                <a14:useLocalDpi xmlns:a14="http://schemas.microsoft.com/office/drawing/2010/main" val="0"/>
+              </a:ext>
+            </a:extLst>
+          </a:blip>
+          <a:srcRect/>
+          <a:stretch>
+            <a:fillRect/>
+          </a:stretch>
+        </p:blipFill>
+        <p:spPr bwMode="auto">
+          <a:xfrm>
+            <a:off x="76200" y="200025"/>
+            <a:ext cx="8763000" cy="6459152"/>
+          </a:xfrm>
+          <a:prstGeom prst="rect">
+            <a:avLst/>
+          </a:prstGeom>
+          <a:noFill/>
+          <a:ln>
+            <a:noFill/>
+          </a:ln>
+          <a:extLst>
+            <a:ext uri="{909E8E84-426E-40DD-AFC4-6F175D3DCCD1}">
+              <a14:hiddenFill xmlns:a14="http://schemas.microsoft.com/office/drawing/2010/main">
+                <a:solidFill>
+                  <a:schemeClr val="accent1"/>
+                </a:solidFill>
+              </a14:hiddenFill>
+            </a:ext>
+            <a:ext uri="{91240B29-F687-4F45-9708-019B960494DF}">
+              <a14:hiddenLine xmlns:a14="http://schemas.microsoft.com/office/drawing/2010/main" w="9525">
+                <a:solidFill>
+                  <a:schemeClr val="tx1"/>
+                </a:solidFill>
+                <a:miter lim="800000"/>
+                <a:headEnd/>
+                <a:tailEnd/>
+              </a14:hiddenLine>
+            </a:ext>
+          </a:extLst>
+        </p:spPr>
+      </p:pic>
+    </p:spTree>
+    <p:extLst>
+      <p:ext uri="{BB962C8B-B14F-4D97-AF65-F5344CB8AC3E}">
+        <p14:creationId xmlns:p14="http://schemas.microsoft.com/office/powerpoint/2010/main" val="2200274748"/>
+      </p:ext>
+    </p:extLst>
+  </p:cSld>
+  <p:clrMapOvr>
+    <a:masterClrMapping/>
+  </p:clrMapOvr>
+</p:sld>
+</file>
+
+<file path=ppt/slides/slide5.xml><?xml version="1.0" encoding="utf-8"?>
+<p:sld xmlns:a="http://schemas.openxmlformats.org/drawingml/2006/main" xmlns:r="http://schemas.openxmlformats.org/officeDocument/2006/relationships" xmlns:p="http://schemas.openxmlformats.org/presentationml/2006/main">
+  <p:cSld>
+    <p:spTree>
+      <p:nvGrpSpPr>
+        <p:cNvPr id="1" name=""/>
+        <p:cNvGrpSpPr/>
+        <p:nvPr/>
+      </p:nvGrpSpPr>
+      <p:grpSpPr>
+        <a:xfrm>
+          <a:off x="0" y="0"/>
+          <a:ext cx="0" cy="0"/>
+          <a:chOff x="0" y="0"/>
+          <a:chExt cx="0" cy="0"/>
+        </a:xfrm>
+      </p:grpSpPr>
+      <p:sp>
+        <p:nvSpPr>
+          <p:cNvPr id="5" name="Title 4"/>
+          <p:cNvSpPr>
+            <a:spLocks noGrp="1"/>
+          </p:cNvSpPr>
+          <p:nvPr>
+            <p:ph type="title"/>
+          </p:nvPr>
+        </p:nvSpPr>
+        <p:spPr>
+          <a:xfrm>
+            <a:off x="457200" y="274638"/>
+            <a:ext cx="8229600" cy="563562"/>
+          </a:xfrm>
+        </p:spPr>
+        <p:txBody>
+          <a:bodyPr>
+            <a:normAutofit fontScale="90000"/>
+          </a:bodyPr>
+          <a:lstStyle/>
+          <a:p>
+            <a:r>
+              <a:rPr lang="sv-SE" dirty="0" smtClean="0"/>
+              <a:t>EPIC model - Example</a:t>
+            </a:r>
+            <a:endParaRPr lang="sv-SE" dirty="0"/>
+          </a:p>
+        </p:txBody>
+      </p:sp>
+      <p:pic>
+        <p:nvPicPr>
+          <p:cNvPr id="7" name="Picture 2"/>
+          <p:cNvPicPr>
+            <a:picLocks noGrp="1" noChangeAspect="1" noChangeArrowheads="1"/>
+          </p:cNvPicPr>
+          <p:nvPr>
+            <p:ph idx="1"/>
+          </p:nvPr>
+        </p:nvPicPr>
+        <p:blipFill>
+          <a:blip r:embed="rId2">
+            <a:extLst>
+              <a:ext uri="{28A0092B-C50C-407E-A947-70E740481C1C}">
+                <a14:useLocalDpi xmlns:a14="http://schemas.microsoft.com/office/drawing/2010/main" val="0"/>
+              </a:ext>
+            </a:extLst>
+          </a:blip>
+          <a:srcRect/>
+          <a:stretch>
+            <a:fillRect/>
+          </a:stretch>
+        </p:blipFill>
+        <p:spPr bwMode="auto">
+          <a:xfrm>
+            <a:off x="1241948" y="1219200"/>
+            <a:ext cx="7149815" cy="5562600"/>
+          </a:xfrm>
+          <a:prstGeom prst="rect">
+            <a:avLst/>
+          </a:prstGeom>
+          <a:noFill/>
+          <a:ln>
+            <a:noFill/>
+          </a:ln>
+          <a:extLst>
+            <a:ext uri="{909E8E84-426E-40DD-AFC4-6F175D3DCCD1}">
+              <a14:hiddenFill xmlns:a14="http://schemas.microsoft.com/office/drawing/2010/main">
+                <a:solidFill>
+                  <a:schemeClr val="accent1"/>
+                </a:solidFill>
+              </a14:hiddenFill>
+            </a:ext>
+            <a:ext uri="{91240B29-F687-4F45-9708-019B960494DF}">
+              <a14:hiddenLine xmlns:a14="http://schemas.microsoft.com/office/drawing/2010/main" w="9525">
+                <a:solidFill>
+                  <a:schemeClr val="tx1"/>
+                </a:solidFill>
+                <a:miter lim="800000"/>
+                <a:headEnd/>
+                <a:tailEnd/>
+              </a14:hiddenLine>
+            </a:ext>
+          </a:extLst>
+        </p:spPr>
+      </p:pic>
+    </p:spTree>
+    <p:extLst>
+      <p:ext uri="{BB962C8B-B14F-4D97-AF65-F5344CB8AC3E}">
+        <p14:creationId xmlns:p14="http://schemas.microsoft.com/office/powerpoint/2010/main" val="2176029952"/>
+      </p:ext>
+    </p:extLst>
+  </p:cSld>
+  <p:clrMapOvr>
+    <a:masterClrMapping/>
+  </p:clrMapOvr>
+</p:sld>
+</file>
+
+<file path=ppt/slides/slide6.xml><?xml version="1.0" encoding="utf-8"?>
+<p:sld xmlns:a="http://schemas.openxmlformats.org/drawingml/2006/main" xmlns:r="http://schemas.openxmlformats.org/officeDocument/2006/relationships" xmlns:p="http://schemas.openxmlformats.org/presentationml/2006/main">
+  <p:cSld>
+    <p:spTree>
+      <p:nvGrpSpPr>
+        <p:cNvPr id="1" name=""/>
+        <p:cNvGrpSpPr/>
+        <p:nvPr/>
+      </p:nvGrpSpPr>
+      <p:grpSpPr>
+        <a:xfrm>
+          <a:off x="0" y="0"/>
+          <a:ext cx="0" cy="0"/>
+          <a:chOff x="0" y="0"/>
+          <a:chExt cx="0" cy="0"/>
+        </a:xfrm>
+      </p:grpSpPr>
+      <p:sp>
+        <p:nvSpPr>
+          <p:cNvPr id="4" name="Title 3"/>
+          <p:cNvSpPr>
+            <a:spLocks noGrp="1"/>
+          </p:cNvSpPr>
+          <p:nvPr>
+            <p:ph type="title"/>
+          </p:nvPr>
+        </p:nvSpPr>
+        <p:spPr/>
+        <p:txBody>
+          <a:bodyPr/>
+          <a:lstStyle/>
+          <a:p>
+            <a:r>
+              <a:rPr lang="sv-SE" dirty="0" smtClean="0"/>
+              <a:t>UI Prototype - Example</a:t>
+            </a:r>
+            <a:endParaRPr lang="sv-SE" dirty="0"/>
+          </a:p>
+        </p:txBody>
+      </p:sp>
+      <p:pic>
+        <p:nvPicPr>
+          <p:cNvPr id="6" name="Content Placeholder 5"/>
+          <p:cNvPicPr>
+            <a:picLocks noGrp="1" noChangeAspect="1"/>
+          </p:cNvPicPr>
+          <p:nvPr>
+            <p:ph idx="1"/>
+          </p:nvPr>
+        </p:nvPicPr>
+        <p:blipFill>
+          <a:blip r:embed="rId2">
+            <a:extLst>
+              <a:ext uri="{28A0092B-C50C-407E-A947-70E740481C1C}">
+                <a14:useLocalDpi xmlns:a14="http://schemas.microsoft.com/office/drawing/2010/main" val="0"/>
+              </a:ext>
+            </a:extLst>
+          </a:blip>
+          <a:stretch>
+            <a:fillRect/>
+          </a:stretch>
+        </p:blipFill>
+        <p:spPr>
+          <a:xfrm>
+            <a:off x="457200" y="2196733"/>
+            <a:ext cx="8229600" cy="3332897"/>
+          </a:xfrm>
+          <a:prstGeom prst="rect">
+            <a:avLst/>
+          </a:prstGeom>
+        </p:spPr>
+      </p:pic>
+    </p:spTree>
+    <p:extLst>
+      <p:ext uri="{BB962C8B-B14F-4D97-AF65-F5344CB8AC3E}">
+        <p14:creationId xmlns:p14="http://schemas.microsoft.com/office/powerpoint/2010/main" val="1668773348"/>
+      </p:ext>
+    </p:extLst>
+  </p:cSld>
+  <p:clrMapOvr>
+    <a:masterClrMapping/>
+  </p:clrMapOvr>
+</p:sld>
+</file>
+
+<file path=ppt/slides/slide7.xml><?xml version="1.0" encoding="utf-8"?>
+<p:sld xmlns:a="http://schemas.openxmlformats.org/drawingml/2006/main" xmlns:r="http://schemas.openxmlformats.org/officeDocument/2006/relationships" xmlns:p="http://schemas.openxmlformats.org/presentationml/2006/main">
+  <p:cSld>
+    <p:spTree>
+      <p:nvGrpSpPr>
+        <p:cNvPr id="1" name=""/>
+        <p:cNvGrpSpPr/>
+        <p:nvPr/>
+      </p:nvGrpSpPr>
+      <p:grpSpPr>
+        <a:xfrm>
+          <a:off x="0" y="0"/>
+          <a:ext cx="0" cy="0"/>
+          <a:chOff x="0" y="0"/>
+          <a:chExt cx="0" cy="0"/>
+        </a:xfrm>
+      </p:grpSpPr>
+      <p:sp>
+        <p:nvSpPr>
+          <p:cNvPr id="2" name="Title 1"/>
+          <p:cNvSpPr>
+            <a:spLocks noGrp="1"/>
+          </p:cNvSpPr>
+          <p:nvPr>
+            <p:ph type="title"/>
+          </p:nvPr>
+        </p:nvSpPr>
+        <p:spPr/>
+        <p:txBody>
+          <a:bodyPr/>
+          <a:lstStyle/>
+          <a:p>
+            <a:r>
+              <a:rPr lang="sv-SE" dirty="0" smtClean="0"/>
+              <a:t>GUI Mapping - Example</a:t>
+            </a:r>
+            <a:endParaRPr lang="sv-SE" dirty="0"/>
+          </a:p>
+        </p:txBody>
+      </p:sp>
+      <p:pic>
+        <p:nvPicPr>
+          <p:cNvPr id="2050" name="Picture 2"/>
+          <p:cNvPicPr>
+            <a:picLocks noGrp="1" noChangeAspect="1" noChangeArrowheads="1"/>
+          </p:cNvPicPr>
+          <p:nvPr>
+            <p:ph idx="1"/>
+          </p:nvPr>
+        </p:nvPicPr>
+        <p:blipFill>
+          <a:blip r:embed="rId2">
+            <a:extLst>
+              <a:ext uri="{28A0092B-C50C-407E-A947-70E740481C1C}">
+                <a14:useLocalDpi xmlns:a14="http://schemas.microsoft.com/office/drawing/2010/main" val="0"/>
+              </a:ext>
+            </a:extLst>
+          </a:blip>
+          <a:srcRect/>
+          <a:stretch>
+            <a:fillRect/>
+          </a:stretch>
+        </p:blipFill>
+        <p:spPr bwMode="auto">
+          <a:xfrm>
+            <a:off x="457200" y="2872275"/>
+            <a:ext cx="8229600" cy="1981813"/>
+          </a:xfrm>
+          <a:prstGeom prst="rect">
+            <a:avLst/>
+          </a:prstGeom>
+          <a:noFill/>
+          <a:ln>
+            <a:noFill/>
+          </a:ln>
+          <a:effectLst/>
+          <a:extLst>
+            <a:ext uri="{909E8E84-426E-40DD-AFC4-6F175D3DCCD1}">
+              <a14:hiddenFill xmlns:a14="http://schemas.microsoft.com/office/drawing/2010/main">
+                <a:solidFill>
+                  <a:schemeClr val="accent1"/>
+                </a:solidFill>
+              </a14:hiddenFill>
+            </a:ext>
+            <a:ext uri="{91240B29-F687-4F45-9708-019B960494DF}">
+              <a14:hiddenLine xmlns:a14="http://schemas.microsoft.com/office/drawing/2010/main" w="9525">
+                <a:solidFill>
+                  <a:schemeClr val="tx1"/>
+                </a:solidFill>
+                <a:miter lim="800000"/>
+                <a:headEnd/>
+                <a:tailEnd/>
+              </a14:hiddenLine>
+            </a:ext>
+            <a:ext uri="{AF507438-7753-43E0-B8FC-AC1667EBCBE1}">
+              <a14:hiddenEffects xmlns:a14="http://schemas.microsoft.com/office/drawing/2010/main">
+                <a:effectLst>
+                  <a:outerShdw dist="35921" dir="2700000" algn="ctr" rotWithShape="0">
+                    <a:schemeClr val="bg2"/>
+                  </a:outerShdw>
+                </a:effectLst>
+              </a14:hiddenEffects>
+            </a:ext>
+          </a:extLst>
+        </p:spPr>
+      </p:pic>
+    </p:spTree>
+    <p:extLst>
+      <p:ext uri="{BB962C8B-B14F-4D97-AF65-F5344CB8AC3E}">
+        <p14:creationId xmlns:p14="http://schemas.microsoft.com/office/powerpoint/2010/main" val="1822641405"/>
+      </p:ext>
+    </p:extLst>
+  </p:cSld>
+  <p:clrMapOvr>
+    <a:masterClrMapping/>
+  </p:clrMapOvr>
+</p:sld>
+</file>
+
+<file path=ppt/slides/slide8.xml><?xml version="1.0" encoding="utf-8"?>
+<p:sld xmlns:a="http://schemas.openxmlformats.org/drawingml/2006/main" xmlns:r="http://schemas.openxmlformats.org/officeDocument/2006/relationships" xmlns:p="http://schemas.openxmlformats.org/presentationml/2006/main">
+  <p:cSld>
+    <p:spTree>
+      <p:nvGrpSpPr>
+        <p:cNvPr id="1" name=""/>
+        <p:cNvGrpSpPr/>
+        <p:nvPr/>
+      </p:nvGrpSpPr>
+      <p:grpSpPr>
+        <a:xfrm>
+          <a:off x="0" y="0"/>
+          <a:ext cx="0" cy="0"/>
+          <a:chOff x="0" y="0"/>
+          <a:chExt cx="0" cy="0"/>
+        </a:xfrm>
+      </p:grpSpPr>
+      <p:sp>
+        <p:nvSpPr>
+          <p:cNvPr id="2" name="Title 1"/>
+          <p:cNvSpPr>
+            <a:spLocks noGrp="1"/>
+          </p:cNvSpPr>
+          <p:nvPr>
+            <p:ph type="title"/>
+          </p:nvPr>
+        </p:nvSpPr>
+        <p:spPr/>
+        <p:txBody>
+          <a:bodyPr/>
+          <a:lstStyle/>
+          <a:p>
+            <a:r>
+              <a:rPr lang="sv-SE" dirty="0" smtClean="0"/>
+              <a:t>Real Application</a:t>
+            </a:r>
+            <a:endParaRPr lang="sv-SE" dirty="0"/>
+          </a:p>
+        </p:txBody>
+      </p:sp>
+      <p:pic>
+        <p:nvPicPr>
+          <p:cNvPr id="4" name="Content Placeholder 3"/>
+          <p:cNvPicPr>
+            <a:picLocks noGrp="1" noChangeAspect="1"/>
+          </p:cNvPicPr>
+          <p:nvPr>
+            <p:ph idx="1"/>
+          </p:nvPr>
+        </p:nvPicPr>
+        <p:blipFill>
+          <a:blip r:embed="rId2">
+            <a:extLst>
+              <a:ext uri="{28A0092B-C50C-407E-A947-70E740481C1C}">
+                <a14:useLocalDpi xmlns:a14="http://schemas.microsoft.com/office/drawing/2010/main" val="0"/>
+              </a:ext>
+            </a:extLst>
+          </a:blip>
+          <a:stretch>
+            <a:fillRect/>
+          </a:stretch>
+        </p:blipFill>
+        <p:spPr>
+          <a:xfrm>
+            <a:off x="546957" y="1600200"/>
+            <a:ext cx="8050085" cy="4525963"/>
+          </a:xfrm>
+          <a:prstGeom prst="rect">
+            <a:avLst/>
+          </a:prstGeom>
+        </p:spPr>
+      </p:pic>
+    </p:spTree>
+    <p:extLst>
+      <p:ext uri="{BB962C8B-B14F-4D97-AF65-F5344CB8AC3E}">
+        <p14:creationId xmlns:p14="http://schemas.microsoft.com/office/powerpoint/2010/main" val="365544901"/>
       </p:ext>
     </p:extLst>
   </p:cSld>

--- a/1_planning/way_of_working/WayOfWorking.pptx
+++ b/1_planning/way_of_working/WayOfWorking.pptx
@@ -7,12 +7,17 @@
   <p:sldIdLst>
     <p:sldId id="256" r:id="rId2"/>
     <p:sldId id="265" r:id="rId3"/>
-    <p:sldId id="258" r:id="rId4"/>
-    <p:sldId id="266" r:id="rId5"/>
-    <p:sldId id="260" r:id="rId6"/>
-    <p:sldId id="263" r:id="rId7"/>
-    <p:sldId id="262" r:id="rId8"/>
-    <p:sldId id="264" r:id="rId9"/>
+    <p:sldId id="267" r:id="rId4"/>
+    <p:sldId id="258" r:id="rId5"/>
+    <p:sldId id="266" r:id="rId6"/>
+    <p:sldId id="260" r:id="rId7"/>
+    <p:sldId id="272" r:id="rId8"/>
+    <p:sldId id="263" r:id="rId9"/>
+    <p:sldId id="262" r:id="rId10"/>
+    <p:sldId id="271" r:id="rId11"/>
+    <p:sldId id="270" r:id="rId12"/>
+    <p:sldId id="269" r:id="rId13"/>
+    <p:sldId id="268" r:id="rId14"/>
   </p:sldIdLst>
   <p:sldSz cx="9144000" cy="6858000" type="screen4x3"/>
   <p:notesSz cx="6858000" cy="9144000"/>
@@ -296,7 +301,7 @@
             <a:fld id="{1D8BD707-D9CF-40AE-B4C6-C98DA3205C09}" type="datetimeFigureOut">
               <a:rPr lang="en-US" smtClean="0"/>
               <a:pPr/>
-              <a:t>1/28/2017</a:t>
+              <a:t>2/6/2017</a:t>
             </a:fld>
             <a:endParaRPr lang="en-US" dirty="0"/>
           </a:p>
@@ -463,7 +468,7 @@
             <a:fld id="{1D8BD707-D9CF-40AE-B4C6-C98DA3205C09}" type="datetimeFigureOut">
               <a:rPr lang="en-US" smtClean="0"/>
               <a:pPr/>
-              <a:t>1/28/2017</a:t>
+              <a:t>2/6/2017</a:t>
             </a:fld>
             <a:endParaRPr lang="en-US" dirty="0"/>
           </a:p>
@@ -640,7 +645,7 @@
             <a:fld id="{1D8BD707-D9CF-40AE-B4C6-C98DA3205C09}" type="datetimeFigureOut">
               <a:rPr lang="en-US" smtClean="0"/>
               <a:pPr/>
-              <a:t>1/28/2017</a:t>
+              <a:t>2/6/2017</a:t>
             </a:fld>
             <a:endParaRPr lang="en-US" dirty="0"/>
           </a:p>
@@ -807,7 +812,7 @@
             <a:fld id="{1D8BD707-D9CF-40AE-B4C6-C98DA3205C09}" type="datetimeFigureOut">
               <a:rPr lang="en-US" smtClean="0"/>
               <a:pPr/>
-              <a:t>1/28/2017</a:t>
+              <a:t>2/6/2017</a:t>
             </a:fld>
             <a:endParaRPr lang="en-US" dirty="0"/>
           </a:p>
@@ -1050,7 +1055,7 @@
             <a:fld id="{1D8BD707-D9CF-40AE-B4C6-C98DA3205C09}" type="datetimeFigureOut">
               <a:rPr lang="en-US" smtClean="0"/>
               <a:pPr/>
-              <a:t>1/28/2017</a:t>
+              <a:t>2/6/2017</a:t>
             </a:fld>
             <a:endParaRPr lang="en-US" dirty="0"/>
           </a:p>
@@ -1335,7 +1340,7 @@
             <a:fld id="{1D8BD707-D9CF-40AE-B4C6-C98DA3205C09}" type="datetimeFigureOut">
               <a:rPr lang="en-US" smtClean="0"/>
               <a:pPr/>
-              <a:t>1/28/2017</a:t>
+              <a:t>2/6/2017</a:t>
             </a:fld>
             <a:endParaRPr lang="en-US" dirty="0"/>
           </a:p>
@@ -1754,7 +1759,7 @@
             <a:fld id="{1D8BD707-D9CF-40AE-B4C6-C98DA3205C09}" type="datetimeFigureOut">
               <a:rPr lang="en-US" smtClean="0"/>
               <a:pPr/>
-              <a:t>1/28/2017</a:t>
+              <a:t>2/6/2017</a:t>
             </a:fld>
             <a:endParaRPr lang="en-US" dirty="0"/>
           </a:p>
@@ -1869,7 +1874,7 @@
             <a:fld id="{1D8BD707-D9CF-40AE-B4C6-C98DA3205C09}" type="datetimeFigureOut">
               <a:rPr lang="en-US" smtClean="0"/>
               <a:pPr/>
-              <a:t>1/28/2017</a:t>
+              <a:t>2/6/2017</a:t>
             </a:fld>
             <a:endParaRPr lang="en-US" dirty="0"/>
           </a:p>
@@ -1961,7 +1966,7 @@
             <a:fld id="{1D8BD707-D9CF-40AE-B4C6-C98DA3205C09}" type="datetimeFigureOut">
               <a:rPr lang="en-US" smtClean="0"/>
               <a:pPr/>
-              <a:t>1/28/2017</a:t>
+              <a:t>2/6/2017</a:t>
             </a:fld>
             <a:endParaRPr lang="en-US" dirty="0"/>
           </a:p>
@@ -2235,7 +2240,7 @@
             <a:fld id="{1D8BD707-D9CF-40AE-B4C6-C98DA3205C09}" type="datetimeFigureOut">
               <a:rPr lang="en-US" smtClean="0"/>
               <a:pPr/>
-              <a:t>1/28/2017</a:t>
+              <a:t>2/6/2017</a:t>
             </a:fld>
             <a:endParaRPr lang="en-US" dirty="0"/>
           </a:p>
@@ -2485,7 +2490,7 @@
             <a:fld id="{1D8BD707-D9CF-40AE-B4C6-C98DA3205C09}" type="datetimeFigureOut">
               <a:rPr lang="en-US" smtClean="0"/>
               <a:pPr/>
-              <a:t>1/28/2017</a:t>
+              <a:t>2/6/2017</a:t>
             </a:fld>
             <a:endParaRPr lang="en-US" dirty="0"/>
           </a:p>
@@ -2695,7 +2700,7 @@
             <a:fld id="{1D8BD707-D9CF-40AE-B4C6-C98DA3205C09}" type="datetimeFigureOut">
               <a:rPr lang="en-US" smtClean="0"/>
               <a:pPr/>
-              <a:t>1/28/2017</a:t>
+              <a:t>2/6/2017</a:t>
             </a:fld>
             <a:endParaRPr lang="en-US" dirty="0"/>
           </a:p>
@@ -3128,6 +3133,420 @@
 </p:sld>
 </file>
 
+<file path=ppt/slides/slide10.xml><?xml version="1.0" encoding="utf-8"?>
+<p:sld xmlns:a="http://schemas.openxmlformats.org/drawingml/2006/main" xmlns:r="http://schemas.openxmlformats.org/officeDocument/2006/relationships" xmlns:p="http://schemas.openxmlformats.org/presentationml/2006/main">
+  <p:cSld>
+    <p:spTree>
+      <p:nvGrpSpPr>
+        <p:cNvPr id="1" name=""/>
+        <p:cNvGrpSpPr/>
+        <p:nvPr/>
+      </p:nvGrpSpPr>
+      <p:grpSpPr>
+        <a:xfrm>
+          <a:off x="0" y="0"/>
+          <a:ext cx="0" cy="0"/>
+          <a:chOff x="0" y="0"/>
+          <a:chExt cx="0" cy="0"/>
+        </a:xfrm>
+      </p:grpSpPr>
+      <p:sp>
+        <p:nvSpPr>
+          <p:cNvPr id="2" name="Title 1"/>
+          <p:cNvSpPr>
+            <a:spLocks noGrp="1"/>
+          </p:cNvSpPr>
+          <p:nvPr>
+            <p:ph type="title"/>
+          </p:nvPr>
+        </p:nvSpPr>
+        <p:spPr/>
+        <p:txBody>
+          <a:bodyPr>
+            <a:normAutofit/>
+          </a:bodyPr>
+          <a:lstStyle/>
+          <a:p>
+            <a:r>
+              <a:rPr lang="sv-SE" dirty="0"/>
+              <a:t>Material Request List– </a:t>
+            </a:r>
+            <a:r>
+              <a:rPr lang="sv-SE" dirty="0" smtClean="0"/>
+              <a:t>Real</a:t>
+            </a:r>
+            <a:endParaRPr lang="sv-SE" dirty="0"/>
+          </a:p>
+        </p:txBody>
+      </p:sp>
+      <p:pic>
+        <p:nvPicPr>
+          <p:cNvPr id="3074" name="Picture 2"/>
+          <p:cNvPicPr>
+            <a:picLocks noGrp="1" noChangeAspect="1" noChangeArrowheads="1"/>
+          </p:cNvPicPr>
+          <p:nvPr>
+            <p:ph idx="1"/>
+          </p:nvPr>
+        </p:nvPicPr>
+        <p:blipFill>
+          <a:blip r:embed="rId2">
+            <a:extLst>
+              <a:ext uri="{28A0092B-C50C-407E-A947-70E740481C1C}">
+                <a14:useLocalDpi xmlns:a14="http://schemas.microsoft.com/office/drawing/2010/main" val="0"/>
+              </a:ext>
+            </a:extLst>
+          </a:blip>
+          <a:srcRect/>
+          <a:stretch>
+            <a:fillRect/>
+          </a:stretch>
+        </p:blipFill>
+        <p:spPr bwMode="auto">
+          <a:xfrm>
+            <a:off x="546957" y="1600200"/>
+            <a:ext cx="8050085" cy="4525963"/>
+          </a:xfrm>
+          <a:prstGeom prst="rect">
+            <a:avLst/>
+          </a:prstGeom>
+          <a:noFill/>
+          <a:ln>
+            <a:noFill/>
+          </a:ln>
+          <a:extLst>
+            <a:ext uri="{909E8E84-426E-40DD-AFC4-6F175D3DCCD1}">
+              <a14:hiddenFill xmlns:a14="http://schemas.microsoft.com/office/drawing/2010/main">
+                <a:solidFill>
+                  <a:schemeClr val="accent1"/>
+                </a:solidFill>
+              </a14:hiddenFill>
+            </a:ext>
+            <a:ext uri="{91240B29-F687-4F45-9708-019B960494DF}">
+              <a14:hiddenLine xmlns:a14="http://schemas.microsoft.com/office/drawing/2010/main" w="9525">
+                <a:solidFill>
+                  <a:schemeClr val="tx1"/>
+                </a:solidFill>
+                <a:miter lim="800000"/>
+                <a:headEnd/>
+                <a:tailEnd/>
+              </a14:hiddenLine>
+            </a:ext>
+          </a:extLst>
+        </p:spPr>
+      </p:pic>
+    </p:spTree>
+    <p:extLst>
+      <p:ext uri="{BB962C8B-B14F-4D97-AF65-F5344CB8AC3E}">
+        <p14:creationId xmlns:p14="http://schemas.microsoft.com/office/powerpoint/2010/main" val="3224899480"/>
+      </p:ext>
+    </p:extLst>
+  </p:cSld>
+  <p:clrMapOvr>
+    <a:masterClrMapping/>
+  </p:clrMapOvr>
+</p:sld>
+</file>
+
+<file path=ppt/slides/slide11.xml><?xml version="1.0" encoding="utf-8"?>
+<p:sld xmlns:a="http://schemas.openxmlformats.org/drawingml/2006/main" xmlns:r="http://schemas.openxmlformats.org/officeDocument/2006/relationships" xmlns:p="http://schemas.openxmlformats.org/presentationml/2006/main">
+  <p:cSld>
+    <p:spTree>
+      <p:nvGrpSpPr>
+        <p:cNvPr id="1" name=""/>
+        <p:cNvGrpSpPr/>
+        <p:nvPr/>
+      </p:nvGrpSpPr>
+      <p:grpSpPr>
+        <a:xfrm>
+          <a:off x="0" y="0"/>
+          <a:ext cx="0" cy="0"/>
+          <a:chOff x="0" y="0"/>
+          <a:chExt cx="0" cy="0"/>
+        </a:xfrm>
+      </p:grpSpPr>
+      <p:sp>
+        <p:nvSpPr>
+          <p:cNvPr id="2" name="Title 1"/>
+          <p:cNvSpPr>
+            <a:spLocks noGrp="1"/>
+          </p:cNvSpPr>
+          <p:nvPr>
+            <p:ph type="title"/>
+          </p:nvPr>
+        </p:nvSpPr>
+        <p:spPr/>
+        <p:txBody>
+          <a:bodyPr>
+            <a:normAutofit fontScale="90000"/>
+          </a:bodyPr>
+          <a:lstStyle/>
+          <a:p>
+            <a:r>
+              <a:rPr lang="sv-SE" dirty="0"/>
+              <a:t>Material Request </a:t>
+            </a:r>
+            <a:r>
+              <a:rPr lang="sv-SE" dirty="0" smtClean="0"/>
+              <a:t>List– </a:t>
+            </a:r>
+            <a:r>
+              <a:rPr lang="sv-SE" dirty="0"/>
+              <a:t>UI prototype</a:t>
+            </a:r>
+          </a:p>
+        </p:txBody>
+      </p:sp>
+      <p:pic>
+        <p:nvPicPr>
+          <p:cNvPr id="4" name="Content Placeholder 3"/>
+          <p:cNvPicPr>
+            <a:picLocks noGrp="1" noChangeAspect="1"/>
+          </p:cNvPicPr>
+          <p:nvPr>
+            <p:ph idx="1"/>
+          </p:nvPr>
+        </p:nvPicPr>
+        <p:blipFill>
+          <a:blip r:embed="rId2">
+            <a:extLst>
+              <a:ext uri="{28A0092B-C50C-407E-A947-70E740481C1C}">
+                <a14:useLocalDpi xmlns:a14="http://schemas.microsoft.com/office/drawing/2010/main" val="0"/>
+              </a:ext>
+            </a:extLst>
+          </a:blip>
+          <a:stretch>
+            <a:fillRect/>
+          </a:stretch>
+        </p:blipFill>
+        <p:spPr>
+          <a:xfrm>
+            <a:off x="1524000" y="1600200"/>
+            <a:ext cx="5491525" cy="5085775"/>
+          </a:xfrm>
+          <a:prstGeom prst="rect">
+            <a:avLst/>
+          </a:prstGeom>
+        </p:spPr>
+      </p:pic>
+    </p:spTree>
+    <p:extLst>
+      <p:ext uri="{BB962C8B-B14F-4D97-AF65-F5344CB8AC3E}">
+        <p14:creationId xmlns:p14="http://schemas.microsoft.com/office/powerpoint/2010/main" val="1461596677"/>
+      </p:ext>
+    </p:extLst>
+  </p:cSld>
+  <p:clrMapOvr>
+    <a:masterClrMapping/>
+  </p:clrMapOvr>
+</p:sld>
+</file>
+
+<file path=ppt/slides/slide12.xml><?xml version="1.0" encoding="utf-8"?>
+<p:sld xmlns:a="http://schemas.openxmlformats.org/drawingml/2006/main" xmlns:r="http://schemas.openxmlformats.org/officeDocument/2006/relationships" xmlns:p="http://schemas.openxmlformats.org/presentationml/2006/main">
+  <p:cSld>
+    <p:spTree>
+      <p:nvGrpSpPr>
+        <p:cNvPr id="1" name=""/>
+        <p:cNvGrpSpPr/>
+        <p:nvPr/>
+      </p:nvGrpSpPr>
+      <p:grpSpPr>
+        <a:xfrm>
+          <a:off x="0" y="0"/>
+          <a:ext cx="0" cy="0"/>
+          <a:chOff x="0" y="0"/>
+          <a:chExt cx="0" cy="0"/>
+        </a:xfrm>
+      </p:grpSpPr>
+      <p:sp>
+        <p:nvSpPr>
+          <p:cNvPr id="2" name="Title 1"/>
+          <p:cNvSpPr>
+            <a:spLocks noGrp="1"/>
+          </p:cNvSpPr>
+          <p:nvPr>
+            <p:ph type="title"/>
+          </p:nvPr>
+        </p:nvSpPr>
+        <p:spPr>
+          <a:xfrm>
+            <a:off x="457200" y="122238"/>
+            <a:ext cx="8229600" cy="487362"/>
+          </a:xfrm>
+        </p:spPr>
+        <p:txBody>
+          <a:bodyPr>
+            <a:normAutofit fontScale="90000"/>
+          </a:bodyPr>
+          <a:lstStyle/>
+          <a:p>
+            <a:r>
+              <a:rPr lang="sv-SE" dirty="0"/>
+              <a:t>Material </a:t>
+            </a:r>
+            <a:r>
+              <a:rPr lang="sv-SE" dirty="0" smtClean="0"/>
+              <a:t>Request Detail – UI prototype</a:t>
+            </a:r>
+            <a:endParaRPr lang="sv-SE" dirty="0"/>
+          </a:p>
+        </p:txBody>
+      </p:sp>
+      <p:pic>
+        <p:nvPicPr>
+          <p:cNvPr id="4" name="Content Placeholder 3"/>
+          <p:cNvPicPr>
+            <a:picLocks noGrp="1" noChangeAspect="1"/>
+          </p:cNvPicPr>
+          <p:nvPr>
+            <p:ph idx="1"/>
+          </p:nvPr>
+        </p:nvPicPr>
+        <p:blipFill>
+          <a:blip r:embed="rId2">
+            <a:extLst>
+              <a:ext uri="{28A0092B-C50C-407E-A947-70E740481C1C}">
+                <a14:useLocalDpi xmlns:a14="http://schemas.microsoft.com/office/drawing/2010/main" val="0"/>
+              </a:ext>
+            </a:extLst>
+          </a:blip>
+          <a:stretch>
+            <a:fillRect/>
+          </a:stretch>
+        </p:blipFill>
+        <p:spPr>
+          <a:xfrm>
+            <a:off x="1676400" y="889874"/>
+            <a:ext cx="6313807" cy="5885644"/>
+          </a:xfrm>
+          <a:prstGeom prst="rect">
+            <a:avLst/>
+          </a:prstGeom>
+        </p:spPr>
+      </p:pic>
+    </p:spTree>
+    <p:extLst>
+      <p:ext uri="{BB962C8B-B14F-4D97-AF65-F5344CB8AC3E}">
+        <p14:creationId xmlns:p14="http://schemas.microsoft.com/office/powerpoint/2010/main" val="3006777123"/>
+      </p:ext>
+    </p:extLst>
+  </p:cSld>
+  <p:clrMapOvr>
+    <a:masterClrMapping/>
+  </p:clrMapOvr>
+</p:sld>
+</file>
+
+<file path=ppt/slides/slide13.xml><?xml version="1.0" encoding="utf-8"?>
+<p:sld xmlns:a="http://schemas.openxmlformats.org/drawingml/2006/main" xmlns:r="http://schemas.openxmlformats.org/officeDocument/2006/relationships" xmlns:p="http://schemas.openxmlformats.org/presentationml/2006/main">
+  <p:cSld>
+    <p:spTree>
+      <p:nvGrpSpPr>
+        <p:cNvPr id="1" name=""/>
+        <p:cNvGrpSpPr/>
+        <p:nvPr/>
+      </p:nvGrpSpPr>
+      <p:grpSpPr>
+        <a:xfrm>
+          <a:off x="0" y="0"/>
+          <a:ext cx="0" cy="0"/>
+          <a:chOff x="0" y="0"/>
+          <a:chExt cx="0" cy="0"/>
+        </a:xfrm>
+      </p:grpSpPr>
+      <p:sp>
+        <p:nvSpPr>
+          <p:cNvPr id="2" name="Title 1"/>
+          <p:cNvSpPr>
+            <a:spLocks noGrp="1"/>
+          </p:cNvSpPr>
+          <p:nvPr>
+            <p:ph type="title"/>
+          </p:nvPr>
+        </p:nvSpPr>
+        <p:spPr/>
+        <p:txBody>
+          <a:bodyPr/>
+          <a:lstStyle/>
+          <a:p>
+            <a:r>
+              <a:rPr lang="sv-SE" dirty="0" smtClean="0"/>
+              <a:t>Material Request Detail - Real</a:t>
+            </a:r>
+            <a:endParaRPr lang="sv-SE" dirty="0"/>
+          </a:p>
+        </p:txBody>
+      </p:sp>
+      <p:pic>
+        <p:nvPicPr>
+          <p:cNvPr id="2050" name="Picture 2"/>
+          <p:cNvPicPr>
+            <a:picLocks noGrp="1" noChangeAspect="1" noChangeArrowheads="1"/>
+          </p:cNvPicPr>
+          <p:nvPr>
+            <p:ph idx="1"/>
+          </p:nvPr>
+        </p:nvPicPr>
+        <p:blipFill>
+          <a:blip r:embed="rId2">
+            <a:extLst>
+              <a:ext uri="{28A0092B-C50C-407E-A947-70E740481C1C}">
+                <a14:useLocalDpi xmlns:a14="http://schemas.microsoft.com/office/drawing/2010/main" val="0"/>
+              </a:ext>
+            </a:extLst>
+          </a:blip>
+          <a:srcRect/>
+          <a:stretch>
+            <a:fillRect/>
+          </a:stretch>
+        </p:blipFill>
+        <p:spPr bwMode="auto">
+          <a:xfrm>
+            <a:off x="546957" y="1600200"/>
+            <a:ext cx="8050085" cy="4525963"/>
+          </a:xfrm>
+          <a:prstGeom prst="rect">
+            <a:avLst/>
+          </a:prstGeom>
+          <a:noFill/>
+          <a:ln>
+            <a:noFill/>
+          </a:ln>
+          <a:extLst>
+            <a:ext uri="{909E8E84-426E-40DD-AFC4-6F175D3DCCD1}">
+              <a14:hiddenFill xmlns:a14="http://schemas.microsoft.com/office/drawing/2010/main">
+                <a:solidFill>
+                  <a:schemeClr val="accent1"/>
+                </a:solidFill>
+              </a14:hiddenFill>
+            </a:ext>
+            <a:ext uri="{91240B29-F687-4F45-9708-019B960494DF}">
+              <a14:hiddenLine xmlns:a14="http://schemas.microsoft.com/office/drawing/2010/main" w="9525">
+                <a:solidFill>
+                  <a:schemeClr val="tx1"/>
+                </a:solidFill>
+                <a:miter lim="800000"/>
+                <a:headEnd/>
+                <a:tailEnd/>
+              </a14:hiddenLine>
+            </a:ext>
+          </a:extLst>
+        </p:spPr>
+      </p:pic>
+    </p:spTree>
+    <p:extLst>
+      <p:ext uri="{BB962C8B-B14F-4D97-AF65-F5344CB8AC3E}">
+        <p14:creationId xmlns:p14="http://schemas.microsoft.com/office/powerpoint/2010/main" val="2692661121"/>
+      </p:ext>
+    </p:extLst>
+  </p:cSld>
+  <p:clrMapOvr>
+    <a:masterClrMapping/>
+  </p:clrMapOvr>
+</p:sld>
+</file>
+
 <file path=ppt/slides/slide2.xml><?xml version="1.0" encoding="utf-8"?>
 <p:sld xmlns:a="http://schemas.openxmlformats.org/drawingml/2006/main" xmlns:r="http://schemas.openxmlformats.org/officeDocument/2006/relationships" xmlns:p="http://schemas.openxmlformats.org/presentationml/2006/main">
   <p:cSld>
@@ -3252,11 +3671,109 @@
   <p:clrMapOvr>
     <a:masterClrMapping/>
   </p:clrMapOvr>
+  <p:timing>
+    <p:tnLst>
+      <p:par>
+        <p:cTn id="1" dur="indefinite" restart="never" nodeType="tmRoot"/>
+      </p:par>
+    </p:tnLst>
+  </p:timing>
 </p:sld>
 </file>
 
 <file path=ppt/slides/slide3.xml><?xml version="1.0" encoding="utf-8"?>
 <p:sld xmlns:a="http://schemas.openxmlformats.org/drawingml/2006/main" xmlns:r="http://schemas.openxmlformats.org/officeDocument/2006/relationships" xmlns:p="http://schemas.openxmlformats.org/presentationml/2006/main">
+  <p:cSld>
+    <p:spTree>
+      <p:nvGrpSpPr>
+        <p:cNvPr id="1" name=""/>
+        <p:cNvGrpSpPr/>
+        <p:nvPr/>
+      </p:nvGrpSpPr>
+      <p:grpSpPr>
+        <a:xfrm>
+          <a:off x="0" y="0"/>
+          <a:ext cx="0" cy="0"/>
+          <a:chOff x="0" y="0"/>
+          <a:chExt cx="0" cy="0"/>
+        </a:xfrm>
+      </p:grpSpPr>
+      <p:pic>
+        <p:nvPicPr>
+          <p:cNvPr id="1026" name="Picture 2"/>
+          <p:cNvPicPr>
+            <a:picLocks noChangeAspect="1" noChangeArrowheads="1"/>
+          </p:cNvPicPr>
+          <p:nvPr/>
+        </p:nvPicPr>
+        <p:blipFill>
+          <a:blip r:embed="rId2">
+            <a:extLst>
+              <a:ext uri="{28A0092B-C50C-407E-A947-70E740481C1C}">
+                <a14:useLocalDpi xmlns:a14="http://schemas.microsoft.com/office/drawing/2010/main" val="0"/>
+              </a:ext>
+            </a:extLst>
+          </a:blip>
+          <a:srcRect/>
+          <a:stretch>
+            <a:fillRect/>
+          </a:stretch>
+        </p:blipFill>
+        <p:spPr bwMode="auto">
+          <a:xfrm>
+            <a:off x="141332" y="302962"/>
+            <a:ext cx="8774068" cy="6250238"/>
+          </a:xfrm>
+          <a:prstGeom prst="rect">
+            <a:avLst/>
+          </a:prstGeom>
+          <a:noFill/>
+          <a:ln>
+            <a:noFill/>
+          </a:ln>
+          <a:extLst>
+            <a:ext uri="{909E8E84-426E-40DD-AFC4-6F175D3DCCD1}">
+              <a14:hiddenFill xmlns:a14="http://schemas.microsoft.com/office/drawing/2010/main">
+                <a:solidFill>
+                  <a:schemeClr val="accent1"/>
+                </a:solidFill>
+              </a14:hiddenFill>
+            </a:ext>
+            <a:ext uri="{91240B29-F687-4F45-9708-019B960494DF}">
+              <a14:hiddenLine xmlns:a14="http://schemas.microsoft.com/office/drawing/2010/main" w="9525">
+                <a:solidFill>
+                  <a:schemeClr val="tx1"/>
+                </a:solidFill>
+                <a:miter lim="800000"/>
+                <a:headEnd/>
+                <a:tailEnd/>
+              </a14:hiddenLine>
+            </a:ext>
+          </a:extLst>
+        </p:spPr>
+      </p:pic>
+    </p:spTree>
+    <p:extLst>
+      <p:ext uri="{BB962C8B-B14F-4D97-AF65-F5344CB8AC3E}">
+        <p14:creationId xmlns:p14="http://schemas.microsoft.com/office/powerpoint/2010/main" val="941192509"/>
+      </p:ext>
+    </p:extLst>
+  </p:cSld>
+  <p:clrMapOvr>
+    <a:masterClrMapping/>
+  </p:clrMapOvr>
+  <p:timing>
+    <p:tnLst>
+      <p:par>
+        <p:cTn id="1" dur="indefinite" restart="never" nodeType="tmRoot"/>
+      </p:par>
+    </p:tnLst>
+  </p:timing>
+</p:sld>
+</file>
+
+<file path=ppt/slides/slide4.xml><?xml version="1.0" encoding="utf-8"?>
+<p:sld xmlns:a="http://schemas.openxmlformats.org/drawingml/2006/main" xmlns:r="http://schemas.openxmlformats.org/officeDocument/2006/relationships" xmlns:p="http://schemas.openxmlformats.org/presentationml/2006/main" show="0">
   <p:cSld>
     <p:spTree>
       <p:nvGrpSpPr>
@@ -3336,11 +3853,26 @@
   <p:clrMapOvr>
     <a:masterClrMapping/>
   </p:clrMapOvr>
+  <mc:AlternateContent xmlns:mc="http://schemas.openxmlformats.org/markup-compatibility/2006">
+    <mc:Choice xmlns:p14="http://schemas.microsoft.com/office/powerpoint/2010/main" Requires="p14">
+      <p:transition spd="slow" p14:dur="2000"/>
+    </mc:Choice>
+    <mc:Fallback>
+      <p:transition spd="slow"/>
+    </mc:Fallback>
+  </mc:AlternateContent>
+  <p:timing>
+    <p:tnLst>
+      <p:par>
+        <p:cTn id="1" dur="indefinite" restart="never" nodeType="tmRoot"/>
+      </p:par>
+    </p:tnLst>
+  </p:timing>
 </p:sld>
 </file>
 
-<file path=ppt/slides/slide4.xml><?xml version="1.0" encoding="utf-8"?>
-<p:sld xmlns:a="http://schemas.openxmlformats.org/drawingml/2006/main" xmlns:r="http://schemas.openxmlformats.org/officeDocument/2006/relationships" xmlns:p="http://schemas.openxmlformats.org/presentationml/2006/main">
+<file path=ppt/slides/slide5.xml><?xml version="1.0" encoding="utf-8"?>
+<p:sld xmlns:a="http://schemas.openxmlformats.org/drawingml/2006/main" xmlns:r="http://schemas.openxmlformats.org/officeDocument/2006/relationships" xmlns:p="http://schemas.openxmlformats.org/presentationml/2006/main" show="0">
   <p:cSld>
     <p:spTree>
       <p:nvGrpSpPr>
@@ -3420,10 +3952,25 @@
   <p:clrMapOvr>
     <a:masterClrMapping/>
   </p:clrMapOvr>
+  <mc:AlternateContent xmlns:mc="http://schemas.openxmlformats.org/markup-compatibility/2006">
+    <mc:Choice xmlns:p14="http://schemas.microsoft.com/office/powerpoint/2010/main" Requires="p14">
+      <p:transition spd="slow" p14:dur="2000"/>
+    </mc:Choice>
+    <mc:Fallback>
+      <p:transition spd="slow"/>
+    </mc:Fallback>
+  </mc:AlternateContent>
+  <p:timing>
+    <p:tnLst>
+      <p:par>
+        <p:cTn id="1" dur="indefinite" restart="never" nodeType="tmRoot"/>
+      </p:par>
+    </p:tnLst>
+  </p:timing>
 </p:sld>
 </file>
 
-<file path=ppt/slides/slide5.xml><?xml version="1.0" encoding="utf-8"?>
+<file path=ppt/slides/slide6.xml><?xml version="1.0" encoding="utf-8"?>
 <p:sld xmlns:a="http://schemas.openxmlformats.org/drawingml/2006/main" xmlns:r="http://schemas.openxmlformats.org/officeDocument/2006/relationships" xmlns:p="http://schemas.openxmlformats.org/presentationml/2006/main">
   <p:cSld>
     <p:spTree>
@@ -3536,10 +4083,150 @@
   <p:clrMapOvr>
     <a:masterClrMapping/>
   </p:clrMapOvr>
+  <p:timing>
+    <p:tnLst>
+      <p:par>
+        <p:cTn id="1" dur="indefinite" restart="never" nodeType="tmRoot"/>
+      </p:par>
+    </p:tnLst>
+  </p:timing>
 </p:sld>
 </file>
 
-<file path=ppt/slides/slide6.xml><?xml version="1.0" encoding="utf-8"?>
+<file path=ppt/slides/slide7.xml><?xml version="1.0" encoding="utf-8"?>
+<p:sld xmlns:a="http://schemas.openxmlformats.org/drawingml/2006/main" xmlns:r="http://schemas.openxmlformats.org/officeDocument/2006/relationships" xmlns:p="http://schemas.openxmlformats.org/presentationml/2006/main">
+  <p:cSld>
+    <p:spTree>
+      <p:nvGrpSpPr>
+        <p:cNvPr id="1" name=""/>
+        <p:cNvGrpSpPr/>
+        <p:nvPr/>
+      </p:nvGrpSpPr>
+      <p:grpSpPr>
+        <a:xfrm>
+          <a:off x="0" y="0"/>
+          <a:ext cx="0" cy="0"/>
+          <a:chOff x="0" y="0"/>
+          <a:chExt cx="0" cy="0"/>
+        </a:xfrm>
+      </p:grpSpPr>
+      <p:sp>
+        <p:nvSpPr>
+          <p:cNvPr id="2" name="Title 1"/>
+          <p:cNvSpPr>
+            <a:spLocks noGrp="1"/>
+          </p:cNvSpPr>
+          <p:nvPr>
+            <p:ph type="title"/>
+          </p:nvPr>
+        </p:nvSpPr>
+        <p:spPr>
+          <a:xfrm>
+            <a:off x="457200" y="274638"/>
+            <a:ext cx="8229600" cy="563562"/>
+          </a:xfrm>
+        </p:spPr>
+        <p:txBody>
+          <a:bodyPr>
+            <a:normAutofit fontScale="90000"/>
+          </a:bodyPr>
+          <a:lstStyle/>
+          <a:p>
+            <a:r>
+              <a:rPr lang="sv-SE" dirty="0" smtClean="0"/>
+              <a:t>Entity model - Example</a:t>
+            </a:r>
+            <a:endParaRPr lang="sv-SE" dirty="0"/>
+          </a:p>
+        </p:txBody>
+      </p:sp>
+      <p:pic>
+        <p:nvPicPr>
+          <p:cNvPr id="4098" name="Picture 2"/>
+          <p:cNvPicPr>
+            <a:picLocks noGrp="1" noChangeAspect="1" noChangeArrowheads="1"/>
+          </p:cNvPicPr>
+          <p:nvPr>
+            <p:ph idx="1"/>
+          </p:nvPr>
+        </p:nvPicPr>
+        <p:blipFill>
+          <a:blip r:embed="rId2">
+            <a:extLst>
+              <a:ext uri="{28A0092B-C50C-407E-A947-70E740481C1C}">
+                <a14:useLocalDpi xmlns:a14="http://schemas.microsoft.com/office/drawing/2010/main" val="0"/>
+              </a:ext>
+            </a:extLst>
+          </a:blip>
+          <a:srcRect/>
+          <a:stretch>
+            <a:fillRect/>
+          </a:stretch>
+        </p:blipFill>
+        <p:spPr bwMode="auto">
+          <a:xfrm>
+            <a:off x="1524000" y="1066800"/>
+            <a:ext cx="6411958" cy="5718735"/>
+          </a:xfrm>
+          <a:prstGeom prst="rect">
+            <a:avLst/>
+          </a:prstGeom>
+          <a:noFill/>
+          <a:ln>
+            <a:noFill/>
+          </a:ln>
+          <a:effectLst/>
+          <a:extLst>
+            <a:ext uri="{909E8E84-426E-40DD-AFC4-6F175D3DCCD1}">
+              <a14:hiddenFill xmlns:a14="http://schemas.microsoft.com/office/drawing/2010/main">
+                <a:solidFill>
+                  <a:schemeClr val="accent1"/>
+                </a:solidFill>
+              </a14:hiddenFill>
+            </a:ext>
+            <a:ext uri="{91240B29-F687-4F45-9708-019B960494DF}">
+              <a14:hiddenLine xmlns:a14="http://schemas.microsoft.com/office/drawing/2010/main" w="9525">
+                <a:solidFill>
+                  <a:schemeClr val="tx1"/>
+                </a:solidFill>
+                <a:miter lim="800000"/>
+                <a:headEnd/>
+                <a:tailEnd/>
+              </a14:hiddenLine>
+            </a:ext>
+            <a:ext uri="{AF507438-7753-43E0-B8FC-AC1667EBCBE1}">
+              <a14:hiddenEffects xmlns:a14="http://schemas.microsoft.com/office/drawing/2010/main">
+                <a:effectLst>
+                  <a:outerShdw dist="35921" dir="2700000" algn="ctr" rotWithShape="0">
+                    <a:schemeClr val="bg2"/>
+                  </a:outerShdw>
+                </a:effectLst>
+              </a14:hiddenEffects>
+            </a:ext>
+          </a:extLst>
+        </p:spPr>
+      </p:pic>
+    </p:spTree>
+    <p:extLst>
+      <p:ext uri="{BB962C8B-B14F-4D97-AF65-F5344CB8AC3E}">
+        <p14:creationId xmlns:p14="http://schemas.microsoft.com/office/powerpoint/2010/main" val="3749234024"/>
+      </p:ext>
+    </p:extLst>
+  </p:cSld>
+  <p:clrMapOvr>
+    <a:masterClrMapping/>
+  </p:clrMapOvr>
+  <p:timing>
+    <p:tnLst>
+      <p:par>
+        <p:cTn id="1" dur="indefinite" restart="never" nodeType="tmRoot"/>
+      </p:par>
+    </p:tnLst>
+  </p:timing>
+</p:sld>
+</file>
+
+<file path=ppt/slides/slide8.xml><?xml version="1.0" encoding="utf-8"?>
 <p:sld xmlns:a="http://schemas.openxmlformats.org/drawingml/2006/main" xmlns:r="http://schemas.openxmlformats.org/officeDocument/2006/relationships" xmlns:p="http://schemas.openxmlformats.org/presentationml/2006/main">
   <p:cSld>
     <p:spTree>
@@ -3621,10 +4308,17 @@
   <p:clrMapOvr>
     <a:masterClrMapping/>
   </p:clrMapOvr>
+  <p:timing>
+    <p:tnLst>
+      <p:par>
+        <p:cTn id="1" dur="indefinite" restart="never" nodeType="tmRoot"/>
+      </p:par>
+    </p:tnLst>
+  </p:timing>
 </p:sld>
 </file>
 
-<file path=ppt/slides/slide7.xml><?xml version="1.0" encoding="utf-8"?>
+<file path=ppt/slides/slide9.xml><?xml version="1.0" encoding="utf-8"?>
 <p:sld xmlns:a="http://schemas.openxmlformats.org/drawingml/2006/main" xmlns:r="http://schemas.openxmlformats.org/officeDocument/2006/relationships" xmlns:p="http://schemas.openxmlformats.org/presentationml/2006/main">
   <p:cSld>
     <p:spTree>
@@ -3740,91 +4434,13 @@
   <p:clrMapOvr>
     <a:masterClrMapping/>
   </p:clrMapOvr>
-</p:sld>
-</file>
-
-<file path=ppt/slides/slide8.xml><?xml version="1.0" encoding="utf-8"?>
-<p:sld xmlns:a="http://schemas.openxmlformats.org/drawingml/2006/main" xmlns:r="http://schemas.openxmlformats.org/officeDocument/2006/relationships" xmlns:p="http://schemas.openxmlformats.org/presentationml/2006/main">
-  <p:cSld>
-    <p:spTree>
-      <p:nvGrpSpPr>
-        <p:cNvPr id="1" name=""/>
-        <p:cNvGrpSpPr/>
-        <p:nvPr/>
-      </p:nvGrpSpPr>
-      <p:grpSpPr>
-        <a:xfrm>
-          <a:off x="0" y="0"/>
-          <a:ext cx="0" cy="0"/>
-          <a:chOff x="0" y="0"/>
-          <a:chExt cx="0" cy="0"/>
-        </a:xfrm>
-      </p:grpSpPr>
-      <p:sp>
-        <p:nvSpPr>
-          <p:cNvPr id="2" name="Title 1"/>
-          <p:cNvSpPr>
-            <a:spLocks noGrp="1"/>
-          </p:cNvSpPr>
-          <p:nvPr>
-            <p:ph type="title"/>
-          </p:nvPr>
-        </p:nvSpPr>
-        <p:spPr/>
-        <p:txBody>
-          <a:bodyPr/>
-          <a:lstStyle/>
-          <a:p>
-            <a:r>
-              <a:rPr lang="sv-SE" dirty="0" smtClean="0"/>
-              <a:t>Real Application</a:t>
-            </a:r>
-            <a:endParaRPr lang="sv-SE" dirty="0"/>
-          </a:p>
-        </p:txBody>
-      </p:sp>
-      <p:pic>
-        <p:nvPicPr>
-          <p:cNvPr id="4" name="Content Placeholder 3"/>
-          <p:cNvPicPr>
-            <a:picLocks noGrp="1" noChangeAspect="1"/>
-          </p:cNvPicPr>
-          <p:nvPr>
-            <p:ph idx="1"/>
-          </p:nvPr>
-        </p:nvPicPr>
-        <p:blipFill>
-          <a:blip r:embed="rId2">
-            <a:extLst>
-              <a:ext uri="{28A0092B-C50C-407E-A947-70E740481C1C}">
-                <a14:useLocalDpi xmlns:a14="http://schemas.microsoft.com/office/drawing/2010/main" val="0"/>
-              </a:ext>
-            </a:extLst>
-          </a:blip>
-          <a:stretch>
-            <a:fillRect/>
-          </a:stretch>
-        </p:blipFill>
-        <p:spPr>
-          <a:xfrm>
-            <a:off x="546957" y="1600200"/>
-            <a:ext cx="8050085" cy="4525963"/>
-          </a:xfrm>
-          <a:prstGeom prst="rect">
-            <a:avLst/>
-          </a:prstGeom>
-        </p:spPr>
-      </p:pic>
-    </p:spTree>
-    <p:extLst>
-      <p:ext uri="{BB962C8B-B14F-4D97-AF65-F5344CB8AC3E}">
-        <p14:creationId xmlns:p14="http://schemas.microsoft.com/office/powerpoint/2010/main" val="365544901"/>
-      </p:ext>
-    </p:extLst>
-  </p:cSld>
-  <p:clrMapOvr>
-    <a:masterClrMapping/>
-  </p:clrMapOvr>
+  <p:timing>
+    <p:tnLst>
+      <p:par>
+        <p:cTn id="1" dur="indefinite" restart="never" nodeType="tmRoot"/>
+      </p:par>
+    </p:tnLst>
+  </p:timing>
 </p:sld>
 </file>
 
